--- a/smpa/lab1/docs/Schemes of Branch Prediction.pptx
+++ b/smpa/lab1/docs/Schemes of Branch Prediction.pptx
@@ -7,12 +7,12 @@
   <p:sldIdLst>
     <p:sldId id="257" r:id="rId2"/>
     <p:sldId id="258" r:id="rId3"/>
-    <p:sldId id="259" r:id="rId4"/>
-    <p:sldId id="260" r:id="rId5"/>
-    <p:sldId id="261" r:id="rId6"/>
-    <p:sldId id="262" r:id="rId7"/>
-    <p:sldId id="263" r:id="rId8"/>
-    <p:sldId id="264" r:id="rId9"/>
+    <p:sldId id="260" r:id="rId4"/>
+    <p:sldId id="261" r:id="rId5"/>
+    <p:sldId id="262" r:id="rId6"/>
+    <p:sldId id="263" r:id="rId7"/>
+    <p:sldId id="264" r:id="rId8"/>
+    <p:sldId id="265" r:id="rId9"/>
   </p:sldIdLst>
   <p:sldSz cx="12192000" cy="6858000"/>
   <p:notesSz cx="6858000" cy="9144000"/>
@@ -111,6 +111,11 @@
       </a:defRPr>
     </a:lvl9pPr>
   </p:defaultTextStyle>
+  <p:extLst>
+    <p:ext uri="{EFAFB233-063F-42B5-8137-9DF3F51BA10A}">
+      <p15:sldGuideLst xmlns:p15="http://schemas.microsoft.com/office/powerpoint/2012/main"/>
+    </p:ext>
+  </p:extLst>
 </p:presentation>
 </file>
 
@@ -517,7 +522,7 @@
           <a:p>
             <a:fld id="{8966F11E-47F6-4280-A309-E67D138A41BF}" type="datetimeFigureOut">
               <a:rPr lang="en-US" smtClean="0"/>
-              <a:t>5/28/2022</a:t>
+              <a:t>5/31/2022</a:t>
             </a:fld>
             <a:endParaRPr lang="en-US"/>
           </a:p>
@@ -696,7 +701,7 @@
           <a:p>
             <a:fld id="{87157CC2-0FC8-4686-B024-99790E0F5162}" type="datetimeFigureOut">
               <a:rPr lang="en-US" dirty="0"/>
-              <a:t>5/28/2022</a:t>
+              <a:t>5/31/2022</a:t>
             </a:fld>
             <a:endParaRPr lang="en-US" dirty="0"/>
           </a:p>
@@ -876,7 +881,7 @@
           <a:p>
             <a:fld id="{F6764DA5-CD3D-4590-A511-FCD3BC7A793E}" type="datetimeFigureOut">
               <a:rPr lang="en-US" dirty="0"/>
-              <a:t>5/28/2022</a:t>
+              <a:t>5/31/2022</a:t>
             </a:fld>
             <a:endParaRPr lang="en-US" dirty="0"/>
           </a:p>
@@ -1209,7 +1214,7 @@
           <a:p>
             <a:fld id="{82F5661D-6934-4B32-B92C-470368BF1EC6}" type="datetimeFigureOut">
               <a:rPr lang="en-US" dirty="0"/>
-              <a:t>5/28/2022</a:t>
+              <a:t>5/31/2022</a:t>
             </a:fld>
             <a:endParaRPr lang="en-US" dirty="0"/>
           </a:p>
@@ -1522,7 +1527,7 @@
           <a:p>
             <a:fld id="{C6F822A4-8DA6-4447-9B1F-C5DB58435268}" type="datetimeFigureOut">
               <a:rPr lang="en-US" dirty="0"/>
-              <a:t>5/28/2022</a:t>
+              <a:t>5/31/2022</a:t>
             </a:fld>
             <a:endParaRPr lang="en-US" dirty="0"/>
           </a:p>
@@ -1908,7 +1913,7 @@
           <a:p>
             <a:fld id="{E548D31E-DCDA-41A7-9C67-C4B11B94D21D}" type="datetimeFigureOut">
               <a:rPr lang="en-US" dirty="0"/>
-              <a:t>5/28/2022</a:t>
+              <a:t>5/31/2022</a:t>
             </a:fld>
             <a:endParaRPr lang="en-US" dirty="0"/>
           </a:p>
@@ -2342,7 +2347,7 @@
           <a:p>
             <a:fld id="{9B3762C0-B258-48F1-ADE6-176B4174CCDD}" type="datetimeFigureOut">
               <a:rPr lang="en-US" dirty="0"/>
-              <a:t>5/28/2022</a:t>
+              <a:t>5/31/2022</a:t>
             </a:fld>
             <a:endParaRPr lang="en-US" dirty="0"/>
           </a:p>
@@ -2460,7 +2465,7 @@
           <a:p>
             <a:fld id="{677919A6-33EB-49BD-A62F-1FA56B9F9712}" type="datetimeFigureOut">
               <a:rPr lang="en-US" dirty="0"/>
-              <a:t>5/28/2022</a:t>
+              <a:t>5/31/2022</a:t>
             </a:fld>
             <a:endParaRPr lang="en-US" dirty="0"/>
           </a:p>
@@ -2555,7 +2560,7 @@
           <a:p>
             <a:fld id="{CA4E7D1B-D673-4CF6-8672-009D42ABD2A0}" type="datetimeFigureOut">
               <a:rPr lang="en-US" dirty="0"/>
-              <a:t>5/28/2022</a:t>
+              <a:t>5/31/2022</a:t>
             </a:fld>
             <a:endParaRPr lang="en-US" dirty="0"/>
           </a:p>
@@ -2905,7 +2910,7 @@
           <a:p>
             <a:fld id="{DA16AA21-1863-4931-97CB-99D0A168701B}" type="datetimeFigureOut">
               <a:rPr lang="en-US" dirty="0"/>
-              <a:t>5/28/2022</a:t>
+              <a:t>5/31/2022</a:t>
             </a:fld>
             <a:endParaRPr lang="en-US" dirty="0"/>
           </a:p>
@@ -3330,7 +3335,7 @@
           <a:p>
             <a:fld id="{3772C379-9A7C-4C87-A116-CBE9F58B04C5}" type="datetimeFigureOut">
               <a:rPr lang="en-US" dirty="0"/>
-              <a:t>5/28/2022</a:t>
+              <a:t>5/31/2022</a:t>
             </a:fld>
             <a:endParaRPr lang="en-US" dirty="0"/>
           </a:p>
@@ -3611,7 +3616,7 @@
           <a:p>
             <a:fld id="{8664C608-40B1-4030-A28D-5B74BC98ADCE}" type="datetimeFigureOut">
               <a:rPr lang="en-US" dirty="0"/>
-              <a:t>5/28/2022</a:t>
+              <a:t>5/31/2022</a:t>
             </a:fld>
             <a:endParaRPr lang="en-US" dirty="0"/>
           </a:p>
@@ -4201,10 +4206,10 @@
       </p:grpSpPr>
       <p:sp useBgFill="1">
         <p:nvSpPr>
-          <p:cNvPr id="26" name="Rectangle 25">
+          <p:cNvPr id="60" name="Rectangle 59">
             <a:extLst>
               <a:ext uri="{FF2B5EF4-FFF2-40B4-BE49-F238E27FC236}">
-                <a16:creationId xmlns:a16="http://schemas.microsoft.com/office/drawing/2014/main" id="{EDF3BDB2-0586-430E-811A-74BAFDEE663D}"/>
+                <a16:creationId xmlns:a16="http://schemas.microsoft.com/office/drawing/2014/main" id="{A2C89EF2-582B-47D7-90AC-9AE630755FB3}"/>
               </a:ext>
               <a:ext uri="{C183D7F6-B498-43B3-948B-1728B52AA6E4}">
                 <adec:decorative xmlns:adec="http://schemas.microsoft.com/office/drawing/2017/decorative" val="1"/>
@@ -4360,10 +4365,10 @@
       </p:sp>
       <p:sp>
         <p:nvSpPr>
-          <p:cNvPr id="28" name="Rectangle 27">
+          <p:cNvPr id="62" name="Rectangle 61">
             <a:extLst>
               <a:ext uri="{FF2B5EF4-FFF2-40B4-BE49-F238E27FC236}">
-                <a16:creationId xmlns:a16="http://schemas.microsoft.com/office/drawing/2014/main" id="{821E305B-0351-4E03-8C1B-F23D3A346E81}"/>
+                <a16:creationId xmlns:a16="http://schemas.microsoft.com/office/drawing/2014/main" id="{0D4A3D59-DBEE-4E5B-A001-010BF0907B3F}"/>
               </a:ext>
               <a:ext uri="{C183D7F6-B498-43B3-948B-1728B52AA6E4}">
                 <adec:decorative xmlns:adec="http://schemas.microsoft.com/office/drawing/2017/decorative" val="1"/>
@@ -4383,8 +4388,8 @@
         </p:nvSpPr>
         <p:spPr>
           <a:xfrm>
-            <a:off x="4645152" y="928117"/>
-            <a:ext cx="6629400" cy="80683"/>
+            <a:off x="920834" y="928117"/>
+            <a:ext cx="10351008" cy="80683"/>
           </a:xfrm>
           <a:prstGeom prst="rect">
             <a:avLst/>
@@ -4442,10 +4447,10 @@
       </p:sp>
       <p:sp>
         <p:nvSpPr>
-          <p:cNvPr id="30" name="Rectangle 29">
+          <p:cNvPr id="64" name="Rectangle 63">
             <a:extLst>
               <a:ext uri="{FF2B5EF4-FFF2-40B4-BE49-F238E27FC236}">
-                <a16:creationId xmlns:a16="http://schemas.microsoft.com/office/drawing/2014/main" id="{3C848660-F9C2-4F86-A218-6AE0FB4CCC5E}"/>
+                <a16:creationId xmlns:a16="http://schemas.microsoft.com/office/drawing/2014/main" id="{0DDE2981-2FBF-45CD-A9B8-67B8AF591BD9}"/>
               </a:ext>
               <a:ext uri="{C183D7F6-B498-43B3-948B-1728B52AA6E4}">
                 <adec:decorative xmlns:adec="http://schemas.microsoft.com/office/drawing/2017/decorative" val="1"/>
@@ -4551,19 +4556,18 @@
           <a:lstStyle/>
           <a:p>
             <a:r>
-              <a:rPr lang="en-US" dirty="0"/>
+              <a:rPr lang="en-US" sz="8000"/>
               <a:t>Schemes of Branch Prediction</a:t>
             </a:r>
-            <a:endParaRPr lang="en-US"/>
-          </a:p>
-        </p:txBody>
-      </p:sp>
-      <p:sp>
-        <p:nvSpPr>
-          <p:cNvPr id="32" name="Rectangle 31">
+          </a:p>
+        </p:txBody>
+      </p:sp>
+      <p:sp>
+        <p:nvSpPr>
+          <p:cNvPr id="66" name="Rectangle 65">
             <a:extLst>
               <a:ext uri="{FF2B5EF4-FFF2-40B4-BE49-F238E27FC236}">
-                <a16:creationId xmlns:a16="http://schemas.microsoft.com/office/drawing/2014/main" id="{5CABD882-B7CE-4433-B509-99205DB70549}"/>
+                <a16:creationId xmlns:a16="http://schemas.microsoft.com/office/drawing/2014/main" id="{8E093744-993B-4EA4-A92B-E16F2E790DCA}"/>
               </a:ext>
               <a:ext uri="{C183D7F6-B498-43B3-948B-1728B52AA6E4}">
                 <adec:decorative xmlns:adec="http://schemas.microsoft.com/office/drawing/2017/decorative" val="1"/>
@@ -4583,8 +4587,8 @@
         </p:nvSpPr>
         <p:spPr>
           <a:xfrm>
-            <a:off x="4645152" y="5780565"/>
-            <a:ext cx="6629400" cy="80683"/>
+            <a:off x="920834" y="5780565"/>
+            <a:ext cx="10351008" cy="80683"/>
           </a:xfrm>
           <a:prstGeom prst="rect">
             <a:avLst/>
@@ -4642,10 +4646,10 @@
       </p:sp>
       <p:grpSp>
         <p:nvGrpSpPr>
-          <p:cNvPr id="34" name="Group 33">
+          <p:cNvPr id="68" name="Group 67">
             <a:extLst>
               <a:ext uri="{FF2B5EF4-FFF2-40B4-BE49-F238E27FC236}">
-                <a16:creationId xmlns:a16="http://schemas.microsoft.com/office/drawing/2014/main" id="{49F6A645-6137-4F43-8E88-D91CC337D5B7}"/>
+                <a16:creationId xmlns:a16="http://schemas.microsoft.com/office/drawing/2014/main" id="{4F53546A-9DFB-4F22-986A-E4813304D56A}"/>
               </a:ext>
               <a:ext uri="{C183D7F6-B498-43B3-948B-1728B52AA6E4}">
                 <adec:decorative xmlns:adec="http://schemas.microsoft.com/office/drawing/2017/decorative" val="1"/>
@@ -4673,10 +4677,10 @@
         </p:grpSpPr>
         <p:sp>
           <p:nvSpPr>
-            <p:cNvPr id="35" name="Oval 34">
+            <p:cNvPr id="69" name="Oval 68">
               <a:extLst>
                 <a:ext uri="{FF2B5EF4-FFF2-40B4-BE49-F238E27FC236}">
-                  <a16:creationId xmlns:a16="http://schemas.microsoft.com/office/drawing/2014/main" id="{3A2C783A-4EEE-481B-815A-A1BB14F44B81}"/>
+                  <a16:creationId xmlns:a16="http://schemas.microsoft.com/office/drawing/2014/main" id="{FAF7A2AB-D149-4AB5-9B07-709914D1565E}"/>
                 </a:ext>
                 <a:ext uri="{C183D7F6-B498-43B3-948B-1728B52AA6E4}">
                   <adec:decorative xmlns:adec="http://schemas.microsoft.com/office/drawing/2017/decorative" val="1"/>
@@ -4759,10 +4763,10 @@
         </p:sp>
         <p:sp>
           <p:nvSpPr>
-            <p:cNvPr id="36" name="Oval 35">
+            <p:cNvPr id="70" name="Oval 69">
               <a:extLst>
                 <a:ext uri="{FF2B5EF4-FFF2-40B4-BE49-F238E27FC236}">
-                  <a16:creationId xmlns:a16="http://schemas.microsoft.com/office/drawing/2014/main" id="{A0186437-0053-4886-B612-804E4DC90381}"/>
+                  <a16:creationId xmlns:a16="http://schemas.microsoft.com/office/drawing/2014/main" id="{8035437C-ADA1-410F-914F-CEDE4F1169F5}"/>
                 </a:ext>
                 <a:ext uri="{C183D7F6-B498-43B3-948B-1728B52AA6E4}">
                   <adec:decorative xmlns:adec="http://schemas.microsoft.com/office/drawing/2017/decorative" val="1"/>
@@ -4834,6 +4838,45 @@
           </p:txBody>
         </p:sp>
       </p:grpSp>
+      <p:sp>
+        <p:nvSpPr>
+          <p:cNvPr id="3" name="Subtitle 2">
+            <a:extLst>
+              <a:ext uri="{FF2B5EF4-FFF2-40B4-BE49-F238E27FC236}">
+                <a16:creationId xmlns:a16="http://schemas.microsoft.com/office/drawing/2014/main" id="{A5255DAB-0EAB-4692-8516-E411D6F1C933}"/>
+              </a:ext>
+            </a:extLst>
+          </p:cNvPr>
+          <p:cNvSpPr>
+            <a:spLocks noGrp="1"/>
+          </p:cNvSpPr>
+          <p:nvPr>
+            <p:ph type="subTitle" idx="1"/>
+          </p:nvPr>
+        </p:nvSpPr>
+        <p:spPr>
+          <a:xfrm>
+            <a:off x="4938490" y="4790198"/>
+            <a:ext cx="6080030" cy="687058"/>
+          </a:xfrm>
+        </p:spPr>
+        <p:txBody>
+          <a:bodyPr>
+            <a:normAutofit/>
+          </a:bodyPr>
+          <a:lstStyle/>
+          <a:p>
+            <a:r>
+              <a:rPr lang="en-US" sz="2000">
+                <a:solidFill>
+                  <a:srgbClr val="000000"/>
+                </a:solidFill>
+              </a:rPr>
+              <a:t>Nicolae-Andrei Vasile</a:t>
+            </a:r>
+          </a:p>
+        </p:txBody>
+      </p:sp>
       <p:pic>
         <p:nvPicPr>
           <p:cNvPr id="23" name="Graphic 22" descr="Document">
@@ -4865,7 +4908,7 @@
         </p:blipFill>
         <p:spPr>
           <a:xfrm>
-            <a:off x="933915" y="1686320"/>
+            <a:off x="933915" y="1702032"/>
             <a:ext cx="3416725" cy="3416725"/>
           </a:xfrm>
           <a:prstGeom prst="rect">
@@ -5084,13 +5127,19 @@
           <a:lstStyle/>
           <a:p>
             <a:r>
-              <a:rPr lang="en-US" dirty="0"/>
+              <a:rPr lang="en-US" sz="1800" dirty="0"/>
               <a:t>essential to exploring the full performance of microprocessors</a:t>
             </a:r>
           </a:p>
           <a:p>
             <a:r>
-              <a:rPr lang="en-US" dirty="0"/>
+              <a:rPr lang="en-US" sz="1800" dirty="0"/>
+              <a:t>can increase the performance of a microprocessor by eliminating the instruction fetch stalls in the pipelines</a:t>
+            </a:r>
+          </a:p>
+          <a:p>
+            <a:r>
+              <a:rPr lang="en-US" sz="1800" dirty="0"/>
               <a:t>the goal of a branch prediction scheme is to predict accurately the outcome of that conditional branch</a:t>
             </a:r>
           </a:p>
@@ -5116,89 +5165,6 @@
 </file>
 
 <file path=ppt/slides/slide3.xml><?xml version="1.0" encoding="utf-8"?>
-<p:sld xmlns:a="http://schemas.openxmlformats.org/drawingml/2006/main" xmlns:r="http://schemas.openxmlformats.org/officeDocument/2006/relationships" xmlns:p="http://schemas.openxmlformats.org/presentationml/2006/main">
-  <p:cSld>
-    <p:spTree>
-      <p:nvGrpSpPr>
-        <p:cNvPr id="1" name=""/>
-        <p:cNvGrpSpPr/>
-        <p:nvPr/>
-      </p:nvGrpSpPr>
-      <p:grpSpPr>
-        <a:xfrm>
-          <a:off x="0" y="0"/>
-          <a:ext cx="0" cy="0"/>
-          <a:chOff x="0" y="0"/>
-          <a:chExt cx="0" cy="0"/>
-        </a:xfrm>
-      </p:grpSpPr>
-      <p:sp>
-        <p:nvSpPr>
-          <p:cNvPr id="3" name="Title 2">
-            <a:extLst>
-              <a:ext uri="{FF2B5EF4-FFF2-40B4-BE49-F238E27FC236}">
-                <a16:creationId xmlns:a16="http://schemas.microsoft.com/office/drawing/2014/main" id="{4EED1607-FF5F-4C97-A4E1-2A4D9FF49F28}"/>
-              </a:ext>
-            </a:extLst>
-          </p:cNvPr>
-          <p:cNvSpPr>
-            <a:spLocks noGrp="1"/>
-          </p:cNvSpPr>
-          <p:nvPr>
-            <p:ph type="title"/>
-          </p:nvPr>
-        </p:nvSpPr>
-        <p:spPr/>
-        <p:txBody>
-          <a:bodyPr/>
-          <a:lstStyle/>
-          <a:p>
-            <a:r>
-              <a:rPr lang="en-US" dirty="0"/>
-              <a:t>Strategies</a:t>
-            </a:r>
-          </a:p>
-        </p:txBody>
-      </p:sp>
-      <p:sp>
-        <p:nvSpPr>
-          <p:cNvPr id="7" name="Content Placeholder 6">
-            <a:extLst>
-              <a:ext uri="{FF2B5EF4-FFF2-40B4-BE49-F238E27FC236}">
-                <a16:creationId xmlns:a16="http://schemas.microsoft.com/office/drawing/2014/main" id="{089925C3-B358-4D39-A2D6-6B23E4ECBFA3}"/>
-              </a:ext>
-            </a:extLst>
-          </p:cNvPr>
-          <p:cNvSpPr>
-            <a:spLocks noGrp="1"/>
-          </p:cNvSpPr>
-          <p:nvPr>
-            <p:ph idx="1"/>
-          </p:nvPr>
-        </p:nvSpPr>
-        <p:spPr/>
-        <p:txBody>
-          <a:bodyPr/>
-          <a:lstStyle/>
-          <a:p>
-            <a:endParaRPr lang="en-US"/>
-          </a:p>
-        </p:txBody>
-      </p:sp>
-    </p:spTree>
-    <p:extLst>
-      <p:ext uri="{BB962C8B-B14F-4D97-AF65-F5344CB8AC3E}">
-        <p14:creationId xmlns:p14="http://schemas.microsoft.com/office/powerpoint/2010/main" val="471668062"/>
-      </p:ext>
-    </p:extLst>
-  </p:cSld>
-  <p:clrMapOvr>
-    <a:masterClrMapping/>
-  </p:clrMapOvr>
-</p:sld>
-</file>
-
-<file path=ppt/slides/slide4.xml><?xml version="1.0" encoding="utf-8"?>
 <p:sld xmlns:a="http://schemas.openxmlformats.org/drawingml/2006/main" xmlns:r="http://schemas.openxmlformats.org/officeDocument/2006/relationships" xmlns:p="http://schemas.openxmlformats.org/presentationml/2006/main">
   <p:cSld>
     <p:bg>
@@ -5302,19 +5268,19 @@
           <a:lstStyle/>
           <a:p>
             <a:r>
-              <a:rPr lang="en-US" dirty="0"/>
+              <a:rPr lang="en-US" sz="1800" dirty="0"/>
               <a:t>predict that branches are always taken/not taken</a:t>
             </a:r>
           </a:p>
           <a:p>
             <a:r>
-              <a:rPr lang="en-US" dirty="0"/>
+              <a:rPr lang="en-US" sz="1800" dirty="0"/>
               <a:t>high program sensitivity can lead to widely different prediction accuracies, therefore, it must be considered</a:t>
             </a:r>
           </a:p>
           <a:p>
             <a:r>
-              <a:rPr lang="en-US" dirty="0"/>
+              <a:rPr lang="en-US" sz="1800" dirty="0"/>
               <a:t>used in some of the IBM System 360/370</a:t>
             </a:r>
           </a:p>
@@ -5374,6 +5340,139 @@
 </p:sld>
 </file>
 
+<file path=ppt/slides/slide4.xml><?xml version="1.0" encoding="utf-8"?>
+<p:sld xmlns:a="http://schemas.openxmlformats.org/drawingml/2006/main" xmlns:r="http://schemas.openxmlformats.org/officeDocument/2006/relationships" xmlns:p="http://schemas.openxmlformats.org/presentationml/2006/main">
+  <p:cSld>
+    <p:spTree>
+      <p:nvGrpSpPr>
+        <p:cNvPr id="1" name=""/>
+        <p:cNvGrpSpPr/>
+        <p:nvPr/>
+      </p:nvGrpSpPr>
+      <p:grpSpPr>
+        <a:xfrm>
+          <a:off x="0" y="0"/>
+          <a:ext cx="0" cy="0"/>
+          <a:chOff x="0" y="0"/>
+          <a:chExt cx="0" cy="0"/>
+        </a:xfrm>
+      </p:grpSpPr>
+      <p:sp>
+        <p:nvSpPr>
+          <p:cNvPr id="2" name="Title 1">
+            <a:extLst>
+              <a:ext uri="{FF2B5EF4-FFF2-40B4-BE49-F238E27FC236}">
+                <a16:creationId xmlns:a16="http://schemas.microsoft.com/office/drawing/2014/main" id="{060562CB-D79E-4BC3-9A8F-FFC4E7DE3CB0}"/>
+              </a:ext>
+            </a:extLst>
+          </p:cNvPr>
+          <p:cNvSpPr>
+            <a:spLocks noGrp="1"/>
+          </p:cNvSpPr>
+          <p:nvPr>
+            <p:ph type="title"/>
+          </p:nvPr>
+        </p:nvSpPr>
+        <p:spPr/>
+        <p:txBody>
+          <a:bodyPr/>
+          <a:lstStyle/>
+          <a:p>
+            <a:pPr algn="ctr"/>
+            <a:r>
+              <a:rPr lang="en-US" dirty="0"/>
+              <a:t>Dynamic Strategies</a:t>
+            </a:r>
+          </a:p>
+        </p:txBody>
+      </p:sp>
+      <p:sp>
+        <p:nvSpPr>
+          <p:cNvPr id="3" name="Content Placeholder 2">
+            <a:extLst>
+              <a:ext uri="{FF2B5EF4-FFF2-40B4-BE49-F238E27FC236}">
+                <a16:creationId xmlns:a16="http://schemas.microsoft.com/office/drawing/2014/main" id="{1F71625D-511A-469B-A63C-86D4E9362572}"/>
+              </a:ext>
+            </a:extLst>
+          </p:cNvPr>
+          <p:cNvSpPr>
+            <a:spLocks noGrp="1"/>
+          </p:cNvSpPr>
+          <p:nvPr>
+            <p:ph idx="1"/>
+          </p:nvPr>
+        </p:nvSpPr>
+        <p:spPr>
+          <a:xfrm>
+            <a:off x="1069848" y="2121408"/>
+            <a:ext cx="10058400" cy="4251960"/>
+          </a:xfrm>
+        </p:spPr>
+        <p:txBody>
+          <a:bodyPr/>
+          <a:lstStyle/>
+          <a:p>
+            <a:r>
+              <a:rPr lang="en-US" sz="1800" dirty="0"/>
+              <a:t>the likelihood of a conditional branch instruction at a particular location being taken is highly dependent on the way the same branch was decided previously</a:t>
+            </a:r>
+          </a:p>
+          <a:p>
+            <a:r>
+              <a:rPr lang="en-US" sz="1800" dirty="0"/>
+              <a:t>branch history can be used in several ways to make a branch prediction:</a:t>
+            </a:r>
+          </a:p>
+          <a:p>
+            <a:pPr lvl="1"/>
+            <a:r>
+              <a:rPr lang="en-US" sz="1600" dirty="0"/>
+              <a:t>use the outcome of the most recent execution of the branch instruction</a:t>
+            </a:r>
+          </a:p>
+          <a:p>
+            <a:pPr lvl="1"/>
+            <a:r>
+              <a:rPr lang="en-US" sz="1600" dirty="0"/>
+              <a:t>use more than one of the more recent executions to predict according to the way most of them were decided</a:t>
+            </a:r>
+          </a:p>
+          <a:p>
+            <a:pPr lvl="1"/>
+            <a:r>
+              <a:rPr lang="en-US" sz="1600" dirty="0"/>
+              <a:t>use only the first execution of the branch instruction as a guide (less accurate than other dynamic strategies)</a:t>
+            </a:r>
+          </a:p>
+          <a:p>
+            <a:r>
+              <a:rPr lang="en-US" sz="1800" dirty="0"/>
+              <a:t>most straight forward strategy is to use an associative memory that contains the addresses of the </a:t>
+            </a:r>
+            <a:r>
+              <a:rPr lang="en-US" sz="1800" i="1" dirty="0"/>
+              <a:t>n</a:t>
+            </a:r>
+            <a:r>
+              <a:rPr lang="en-US" sz="1800" dirty="0"/>
+              <a:t> most-recent branch instructions and a bit indicating whether the branch was taken or not taken</a:t>
+            </a:r>
+          </a:p>
+        </p:txBody>
+      </p:sp>
+    </p:spTree>
+    <p:extLst>
+      <p:ext uri="{BB962C8B-B14F-4D97-AF65-F5344CB8AC3E}">
+        <p14:creationId xmlns:p14="http://schemas.microsoft.com/office/powerpoint/2010/main" val="1530383331"/>
+      </p:ext>
+    </p:extLst>
+  </p:cSld>
+  <p:clrMapOvr>
+    <a:masterClrMapping/>
+  </p:clrMapOvr>
+</p:sld>
+</file>
+
 <file path=ppt/slides/slide5.xml><?xml version="1.0" encoding="utf-8"?>
 <p:sld xmlns:a="http://schemas.openxmlformats.org/drawingml/2006/main" xmlns:r="http://schemas.openxmlformats.org/officeDocument/2006/relationships" xmlns:p="http://schemas.openxmlformats.org/presentationml/2006/main">
   <p:cSld>
@@ -5396,7 +5495,7 @@
           <p:cNvPr id="2" name="Title 1">
             <a:extLst>
               <a:ext uri="{FF2B5EF4-FFF2-40B4-BE49-F238E27FC236}">
-                <a16:creationId xmlns:a16="http://schemas.microsoft.com/office/drawing/2014/main" id="{060562CB-D79E-4BC3-9A8F-FFC4E7DE3CB0}"/>
+                <a16:creationId xmlns:a16="http://schemas.microsoft.com/office/drawing/2014/main" id="{AFDF45CE-7141-413E-8040-C1AC124D212A}"/>
               </a:ext>
             </a:extLst>
           </p:cNvPr>
@@ -5415,7 +5514,7 @@
             <a:pPr algn="ctr"/>
             <a:r>
               <a:rPr lang="en-US" dirty="0"/>
-              <a:t>Dynamic Strategies</a:t>
+              <a:t>Data Compression &amp; Prediction</a:t>
             </a:r>
           </a:p>
         </p:txBody>
@@ -5425,7 +5524,7 @@
           <p:cNvPr id="3" name="Content Placeholder 2">
             <a:extLst>
               <a:ext uri="{FF2B5EF4-FFF2-40B4-BE49-F238E27FC236}">
-                <a16:creationId xmlns:a16="http://schemas.microsoft.com/office/drawing/2014/main" id="{1F71625D-511A-469B-A63C-86D4E9362572}"/>
+                <a16:creationId xmlns:a16="http://schemas.microsoft.com/office/drawing/2014/main" id="{FEB89497-D901-46E5-A349-9198A8284DDD}"/>
               </a:ext>
             </a:extLst>
           </p:cNvPr>
@@ -5442,14 +5541,70 @@
           <a:lstStyle/>
           <a:p>
             <a:r>
+              <a:rPr lang="en-US" sz="1800" dirty="0"/>
+              <a:t>the basic principle of data compression is to use fewer bits to represent frequent symbols, while using more bits to represent infrequent symbols</a:t>
+            </a:r>
+          </a:p>
+          <a:p>
+            <a:r>
+              <a:rPr lang="en-US" sz="1800" dirty="0"/>
+              <a:t>prediction by partial matching (PPM):</a:t>
+            </a:r>
+          </a:p>
+          <a:p>
+            <a:pPr lvl="1"/>
+            <a:r>
               <a:rPr lang="en-US" dirty="0"/>
-              <a:t>the likelihood of a conditional branch instruction at a particular location being taken is highly dependent on the way the same branch was decided previously</a:t>
-            </a:r>
-          </a:p>
-          <a:p>
-            <a:endParaRPr lang="en-US" dirty="0"/>
-          </a:p>
-          <a:p>
+              <a:t> </a:t>
+            </a:r>
+            <a:r>
+              <a:rPr lang="en-US" sz="1600" dirty="0"/>
+              <a:t>is a universal compression/prediction algorithm that has been theoretically proven optimal and has been applied in data compression and prefetching</a:t>
+            </a:r>
+          </a:p>
+          <a:p>
+            <a:r>
+              <a:rPr lang="en-US" sz="1800" dirty="0"/>
+              <a:t>Markov predictors:</a:t>
+            </a:r>
+          </a:p>
+          <a:p>
+            <a:pPr lvl="1"/>
+            <a:r>
+              <a:rPr lang="en-US" sz="1600" dirty="0"/>
+              <a:t>a Markov predictor of order j predicts the next bit based upon the j immediately preceding bits</a:t>
+            </a:r>
+          </a:p>
+          <a:p>
+            <a:pPr lvl="1"/>
+            <a:r>
+              <a:rPr lang="en-US" sz="1600" dirty="0"/>
+              <a:t>the basis of the PPM algorithm of order </a:t>
+            </a:r>
+            <a:r>
+              <a:rPr lang="en-US" sz="1600" i="1" dirty="0"/>
+              <a:t>m</a:t>
+            </a:r>
+            <a:r>
+              <a:rPr lang="en-US" sz="1600" dirty="0"/>
+              <a:t> is a set of </a:t>
+            </a:r>
+            <a:r>
+              <a:rPr lang="en-US" sz="1600" i="1" dirty="0"/>
+              <a:t>(m + l) </a:t>
+            </a:r>
+            <a:r>
+              <a:rPr lang="en-US" sz="1600" dirty="0"/>
+              <a:t>Markov predictors</a:t>
+            </a:r>
+          </a:p>
+          <a:p>
+            <a:endParaRPr lang="en-US" sz="2000" dirty="0"/>
+          </a:p>
+          <a:p>
+            <a:pPr marL="274320" lvl="1" indent="0">
+              <a:buNone/>
+            </a:pPr>
             <a:endParaRPr lang="en-US" dirty="0"/>
           </a:p>
         </p:txBody>
@@ -5457,7 +5612,7 @@
     </p:spTree>
     <p:extLst>
       <p:ext uri="{BB962C8B-B14F-4D97-AF65-F5344CB8AC3E}">
-        <p14:creationId xmlns:p14="http://schemas.microsoft.com/office/powerpoint/2010/main" val="1530383331"/>
+        <p14:creationId xmlns:p14="http://schemas.microsoft.com/office/powerpoint/2010/main" val="1395715344"/>
       </p:ext>
     </p:extLst>
   </p:cSld>
@@ -5470,6 +5625,14 @@
 <file path=ppt/slides/slide6.xml><?xml version="1.0" encoding="utf-8"?>
 <p:sld xmlns:a="http://schemas.openxmlformats.org/drawingml/2006/main" xmlns:r="http://schemas.openxmlformats.org/officeDocument/2006/relationships" xmlns:p="http://schemas.openxmlformats.org/presentationml/2006/main">
   <p:cSld>
+    <p:bg>
+      <p:bgPr>
+        <a:solidFill>
+          <a:schemeClr val="bg1"/>
+        </a:solidFill>
+        <a:effectLst/>
+      </p:bgPr>
+    </p:bg>
     <p:spTree>
       <p:nvGrpSpPr>
         <p:cNvPr id="1" name=""/>
@@ -5489,7 +5652,7 @@
           <p:cNvPr id="2" name="Title 1">
             <a:extLst>
               <a:ext uri="{FF2B5EF4-FFF2-40B4-BE49-F238E27FC236}">
-                <a16:creationId xmlns:a16="http://schemas.microsoft.com/office/drawing/2014/main" id="{AFDF45CE-7141-413E-8040-C1AC124D212A}"/>
+                <a16:creationId xmlns:a16="http://schemas.microsoft.com/office/drawing/2014/main" id="{B6398C9D-2A9E-4503-887A-B2FBC328A6EF}"/>
               </a:ext>
             </a:extLst>
           </p:cNvPr>
@@ -5502,13 +5665,15 @@
         </p:nvSpPr>
         <p:spPr/>
         <p:txBody>
-          <a:bodyPr/>
+          <a:bodyPr vert="horz" lIns="91440" tIns="45720" rIns="91440" bIns="45720" rtlCol="0" anchor="ctr">
+            <a:normAutofit/>
+          </a:bodyPr>
           <a:lstStyle/>
           <a:p>
             <a:pPr algn="ctr"/>
             <a:r>
-              <a:rPr lang="en-US" dirty="0"/>
-              <a:t>Data Compression &amp; Prediction</a:t>
+              <a:rPr lang="en-US" sz="5600" dirty="0"/>
+              <a:t>TWO-LEVEL BRANCH PREDICTION</a:t>
             </a:r>
           </a:p>
         </p:txBody>
@@ -5518,7 +5683,7 @@
           <p:cNvPr id="3" name="Content Placeholder 2">
             <a:extLst>
               <a:ext uri="{FF2B5EF4-FFF2-40B4-BE49-F238E27FC236}">
-                <a16:creationId xmlns:a16="http://schemas.microsoft.com/office/drawing/2014/main" id="{FEB89497-D901-46E5-A349-9198A8284DDD}"/>
+                <a16:creationId xmlns:a16="http://schemas.microsoft.com/office/drawing/2014/main" id="{37E7F6BC-E5C4-4571-A0EE-C07BE0AB00D1}"/>
               </a:ext>
             </a:extLst>
           </p:cNvPr>
@@ -5526,22 +5691,132 @@
             <a:spLocks noGrp="1"/>
           </p:cNvSpPr>
           <p:nvPr>
-            <p:ph idx="1"/>
+            <p:ph sz="half" idx="1"/>
           </p:nvPr>
         </p:nvSpPr>
         <p:spPr/>
         <p:txBody>
-          <a:bodyPr/>
+          <a:bodyPr vert="horz" lIns="91440" tIns="45720" rIns="91440" bIns="45720" rtlCol="0" anchor="ctr">
+            <a:normAutofit lnSpcReduction="10000"/>
+          </a:bodyPr>
           <a:lstStyle/>
           <a:p>
-            <a:endParaRPr lang="en-US"/>
-          </a:p>
-        </p:txBody>
-      </p:sp>
+            <a:pPr indent="-182880">
+              <a:lnSpc>
+                <a:spcPct val="90000"/>
+              </a:lnSpc>
+              <a:buFont typeface="Wingdings" pitchFamily="2" charset="2"/>
+              <a:buChar char="§"/>
+            </a:pPr>
+            <a:r>
+              <a:rPr lang="en-US" sz="1800" dirty="0">
+                <a:solidFill>
+                  <a:schemeClr val="tx1"/>
+                </a:solidFill>
+              </a:rPr>
+              <a:t>two-level or correlation-based predictors are among the best branch prediction schemes</a:t>
+            </a:r>
+          </a:p>
+          <a:p>
+            <a:pPr indent="-182880">
+              <a:lnSpc>
+                <a:spcPct val="90000"/>
+              </a:lnSpc>
+              <a:buFont typeface="Wingdings" pitchFamily="2" charset="2"/>
+              <a:buChar char="§"/>
+            </a:pPr>
+            <a:r>
+              <a:rPr lang="en-US" sz="1800" dirty="0">
+                <a:solidFill>
+                  <a:schemeClr val="tx1"/>
+                </a:solidFill>
+              </a:rPr>
+              <a:t>one or more shift-registers (branch history registers) to store history information in the first level</a:t>
+            </a:r>
+          </a:p>
+          <a:p>
+            <a:pPr indent="-182880">
+              <a:lnSpc>
+                <a:spcPct val="90000"/>
+              </a:lnSpc>
+              <a:buFont typeface="Wingdings" pitchFamily="2" charset="2"/>
+              <a:buChar char="§"/>
+            </a:pPr>
+            <a:r>
+              <a:rPr lang="en-US" sz="1800" dirty="0">
+                <a:solidFill>
+                  <a:schemeClr val="tx1"/>
+                </a:solidFill>
+              </a:rPr>
+              <a:t>one or more tables of 2-bit counters (pattern history tables) in their second level</a:t>
+            </a:r>
+          </a:p>
+          <a:p>
+            <a:pPr indent="-182880">
+              <a:lnSpc>
+                <a:spcPct val="90000"/>
+              </a:lnSpc>
+              <a:buFont typeface="Wingdings" pitchFamily="2" charset="2"/>
+              <a:buChar char="§"/>
+            </a:pPr>
+            <a:r>
+              <a:rPr lang="en-US" sz="1800" dirty="0"/>
+              <a:t>p</a:t>
+            </a:r>
+            <a:r>
+              <a:rPr lang="en-US" sz="1800" dirty="0">
+                <a:solidFill>
+                  <a:schemeClr val="tx1"/>
+                </a:solidFill>
+              </a:rPr>
+              <a:t>redictions are made based on the value of the 2-bit counter selected</a:t>
+            </a:r>
+          </a:p>
+          <a:p>
+            <a:r>
+              <a:rPr lang="en-US" sz="1800" dirty="0">
+                <a:solidFill>
+                  <a:schemeClr val="tx1"/>
+                </a:solidFill>
+              </a:rPr>
+              <a:t>strong similarities between two-level adaptive branch predictors and the one on Markov predictors</a:t>
+            </a:r>
+          </a:p>
+        </p:txBody>
+      </p:sp>
+      <p:pic>
+        <p:nvPicPr>
+          <p:cNvPr id="8" name="Content Placeholder 7">
+            <a:extLst>
+              <a:ext uri="{FF2B5EF4-FFF2-40B4-BE49-F238E27FC236}">
+                <a16:creationId xmlns:a16="http://schemas.microsoft.com/office/drawing/2014/main" id="{A9B399B5-4B5D-4714-A89E-28B6889C3AD5}"/>
+              </a:ext>
+            </a:extLst>
+          </p:cNvPr>
+          <p:cNvPicPr>
+            <a:picLocks noGrp="1" noChangeAspect="1"/>
+          </p:cNvPicPr>
+          <p:nvPr>
+            <p:ph sz="half" idx="2"/>
+          </p:nvPr>
+        </p:nvPicPr>
+        <p:blipFill>
+          <a:blip r:embed="rId2"/>
+          <a:stretch>
+            <a:fillRect/>
+          </a:stretch>
+        </p:blipFill>
+        <p:spPr>
+          <a:xfrm>
+            <a:off x="6096000" y="2194560"/>
+            <a:ext cx="5706706" cy="3408336"/>
+          </a:xfrm>
+        </p:spPr>
+      </p:pic>
     </p:spTree>
     <p:extLst>
       <p:ext uri="{BB962C8B-B14F-4D97-AF65-F5344CB8AC3E}">
-        <p14:creationId xmlns:p14="http://schemas.microsoft.com/office/powerpoint/2010/main" val="1395715344"/>
+        <p14:creationId xmlns:p14="http://schemas.microsoft.com/office/powerpoint/2010/main" val="1298306081"/>
       </p:ext>
     </p:extLst>
   </p:cSld>
@@ -5573,7 +5848,7 @@
           <p:cNvPr id="2" name="Title 1">
             <a:extLst>
               <a:ext uri="{FF2B5EF4-FFF2-40B4-BE49-F238E27FC236}">
-                <a16:creationId xmlns:a16="http://schemas.microsoft.com/office/drawing/2014/main" id="{B6398C9D-2A9E-4503-887A-B2FBC328A6EF}"/>
+                <a16:creationId xmlns:a16="http://schemas.microsoft.com/office/drawing/2014/main" id="{BD1310AC-8BC0-4558-8138-337800B7F0DB}"/>
               </a:ext>
             </a:extLst>
           </p:cNvPr>
@@ -5592,7 +5867,7 @@
             <a:pPr algn="ctr"/>
             <a:r>
               <a:rPr lang="en-US" dirty="0"/>
-              <a:t>TWO-LEVEL BRANCH PREDICTION</a:t>
+              <a:t>Conclusion</a:t>
             </a:r>
           </a:p>
         </p:txBody>
@@ -5602,7 +5877,7 @@
           <p:cNvPr id="3" name="Content Placeholder 2">
             <a:extLst>
               <a:ext uri="{FF2B5EF4-FFF2-40B4-BE49-F238E27FC236}">
-                <a16:creationId xmlns:a16="http://schemas.microsoft.com/office/drawing/2014/main" id="{37E7F6BC-E5C4-4571-A0EE-C07BE0AB00D1}"/>
+                <a16:creationId xmlns:a16="http://schemas.microsoft.com/office/drawing/2014/main" id="{8E3CD5BD-4423-4CBA-AD10-F2D2E028C884}"/>
               </a:ext>
             </a:extLst>
           </p:cNvPr>
@@ -5615,17 +5890,34 @@
         </p:nvSpPr>
         <p:spPr/>
         <p:txBody>
-          <a:bodyPr/>
+          <a:bodyPr>
+            <a:normAutofit/>
+          </a:bodyPr>
           <a:lstStyle/>
           <a:p>
-            <a:endParaRPr lang="en-US"/>
+            <a:r>
+              <a:rPr lang="en-US" sz="1800" dirty="0"/>
+              <a:t>branch prediction strategies as well as the connection between data compression and branch prediction</a:t>
+            </a:r>
+          </a:p>
+          <a:p>
+            <a:r>
+              <a:rPr lang="en-US" sz="1800" dirty="0"/>
+              <a:t>different prediction strategies, such as static or dynamic, and a reasonable degree of confidence in the performance of two-level predictors.</a:t>
+            </a:r>
+          </a:p>
+          <a:p>
+            <a:r>
+              <a:rPr lang="en-US" sz="1800" dirty="0"/>
+              <a:t>PPM can still outperform two-level predictors when branch-target buffers are small, even though two-level predictors are close to optimal if unlimited resources are available</a:t>
+            </a:r>
           </a:p>
         </p:txBody>
       </p:sp>
     </p:spTree>
     <p:extLst>
       <p:ext uri="{BB962C8B-B14F-4D97-AF65-F5344CB8AC3E}">
-        <p14:creationId xmlns:p14="http://schemas.microsoft.com/office/powerpoint/2010/main" val="1298306081"/>
+        <p14:creationId xmlns:p14="http://schemas.microsoft.com/office/powerpoint/2010/main" val="3200728014"/>
       </p:ext>
     </p:extLst>
   </p:cSld>
@@ -5638,6 +5930,14 @@
 <file path=ppt/slides/slide8.xml><?xml version="1.0" encoding="utf-8"?>
 <p:sld xmlns:a="http://schemas.openxmlformats.org/drawingml/2006/main" xmlns:r="http://schemas.openxmlformats.org/officeDocument/2006/relationships" xmlns:p="http://schemas.openxmlformats.org/presentationml/2006/main">
   <p:cSld>
+    <p:bg>
+      <p:bgPr>
+        <a:solidFill>
+          <a:schemeClr val="bg1"/>
+        </a:solidFill>
+        <a:effectLst/>
+      </p:bgPr>
+    </p:bg>
     <p:spTree>
       <p:nvGrpSpPr>
         <p:cNvPr id="1" name=""/>
@@ -5654,39 +5954,92 @@
       </p:grpSpPr>
       <p:sp>
         <p:nvSpPr>
-          <p:cNvPr id="2" name="Title 1">
+          <p:cNvPr id="15" name="Rectangle 14">
             <a:extLst>
               <a:ext uri="{FF2B5EF4-FFF2-40B4-BE49-F238E27FC236}">
-                <a16:creationId xmlns:a16="http://schemas.microsoft.com/office/drawing/2014/main" id="{BD1310AC-8BC0-4558-8138-337800B7F0DB}"/>
+                <a16:creationId xmlns:a16="http://schemas.microsoft.com/office/drawing/2014/main" id="{D2F9B8D9-2A0F-48A2-AD9F-81D8C4970341}"/>
+              </a:ext>
+              <a:ext uri="{C183D7F6-B498-43B3-948B-1728B52AA6E4}">
+                <adec:decorative xmlns:adec="http://schemas.microsoft.com/office/drawing/2017/decorative" val="1"/>
               </a:ext>
             </a:extLst>
           </p:cNvPr>
           <p:cNvSpPr>
-            <a:spLocks noGrp="1"/>
-          </p:cNvSpPr>
-          <p:nvPr>
-            <p:ph type="title"/>
-          </p:nvPr>
-        </p:nvSpPr>
-        <p:spPr/>
-        <p:txBody>
-          <a:bodyPr/>
+            <a:spLocks noGrp="1" noRot="1" noChangeAspect="1" noMove="1" noResize="1" noEditPoints="1" noAdjustHandles="1" noChangeArrowheads="1" noChangeShapeType="1" noTextEdit="1"/>
+          </p:cNvSpPr>
+          <p:nvPr>
+            <p:extLst>
+              <p:ext uri="{386F3935-93C4-4BCD-93E2-E3B085C9AB24}">
+                <p16:designElem xmlns:p16="http://schemas.microsoft.com/office/powerpoint/2015/main" val="1"/>
+              </p:ext>
+            </p:extLst>
+          </p:nvPr>
+        </p:nvSpPr>
+        <p:spPr>
+          <a:xfrm>
+            <a:off x="4651672" y="0"/>
+            <a:ext cx="7540328" cy="6857999"/>
+          </a:xfrm>
+          <a:prstGeom prst="rect">
+            <a:avLst/>
+          </a:prstGeom>
+          <a:blipFill dpi="0" rotWithShape="1">
+            <a:blip r:embed="rId2">
+              <a:alphaModFix amt="60000"/>
+              <a:lum bright="70000" contrast="-70000"/>
+              <a:extLst>
+                <a:ext uri="{BEBA8EAE-BF5A-486C-A8C5-ECC9F3942E4B}">
+                  <a14:imgProps xmlns:a14="http://schemas.microsoft.com/office/drawing/2010/main">
+                    <a14:imgLayer r:embed="rId3">
+                      <a14:imgEffect>
+                        <a14:sharpenSoften amount="61000"/>
+                      </a14:imgEffect>
+                    </a14:imgLayer>
+                  </a14:imgProps>
+                </a:ext>
+                <a:ext uri="{28A0092B-C50C-407E-A947-70E740481C1C}">
+                  <a14:useLocalDpi xmlns:a14="http://schemas.microsoft.com/office/drawing/2010/main" val="0"/>
+                </a:ext>
+              </a:extLst>
+            </a:blip>
+            <a:srcRect/>
+            <a:tile tx="0" ty="-704850" sx="92000" sy="89000" flip="xy" algn="ctr"/>
+          </a:blipFill>
+          <a:ln>
+            <a:noFill/>
+          </a:ln>
+        </p:spPr>
+        <p:style>
+          <a:lnRef idx="2">
+            <a:schemeClr val="accent1">
+              <a:shade val="50000"/>
+            </a:schemeClr>
+          </a:lnRef>
+          <a:fillRef idx="1">
+            <a:schemeClr val="accent1"/>
+          </a:fillRef>
+          <a:effectRef idx="0">
+            <a:schemeClr val="accent1"/>
+          </a:effectRef>
+          <a:fontRef idx="minor">
+            <a:schemeClr val="lt1"/>
+          </a:fontRef>
+        </p:style>
+        <p:txBody>
+          <a:bodyPr rtlCol="0" anchor="ctr"/>
           <a:lstStyle/>
           <a:p>
             <a:pPr algn="ctr"/>
-            <a:r>
-              <a:rPr lang="en-US" dirty="0"/>
-              <a:t>Conclusion</a:t>
-            </a:r>
-          </a:p>
-        </p:txBody>
-      </p:sp>
-      <p:sp>
-        <p:nvSpPr>
-          <p:cNvPr id="3" name="Content Placeholder 2">
+            <a:endParaRPr lang="en-US"/>
+          </a:p>
+        </p:txBody>
+      </p:sp>
+      <p:sp>
+        <p:nvSpPr>
+          <p:cNvPr id="6" name="Title 5">
             <a:extLst>
               <a:ext uri="{FF2B5EF4-FFF2-40B4-BE49-F238E27FC236}">
-                <a16:creationId xmlns:a16="http://schemas.microsoft.com/office/drawing/2014/main" id="{8E3CD5BD-4423-4CBA-AD10-F2D2E028C884}"/>
+                <a16:creationId xmlns:a16="http://schemas.microsoft.com/office/drawing/2014/main" id="{98BE28B0-2566-4F65-AF02-1F1B0E8C5AE9}"/>
               </a:ext>
             </a:extLst>
           </p:cNvPr>
@@ -5694,22 +6047,319 @@
             <a:spLocks noGrp="1"/>
           </p:cNvSpPr>
           <p:nvPr>
+            <p:ph type="title"/>
+          </p:nvPr>
+        </p:nvSpPr>
+        <p:spPr>
+          <a:xfrm>
+            <a:off x="4970109" y="484632"/>
+            <a:ext cx="6730277" cy="1609344"/>
+          </a:xfrm>
+          <a:ln>
+            <a:noFill/>
+          </a:ln>
+        </p:spPr>
+        <p:txBody>
+          <a:bodyPr vert="horz" lIns="91440" tIns="45720" rIns="91440" bIns="45720" rtlCol="0">
+            <a:normAutofit/>
+          </a:bodyPr>
+          <a:lstStyle/>
+          <a:p>
+            <a:pPr algn="ctr"/>
+            <a:r>
+              <a:rPr lang="en-US" sz="4400" dirty="0"/>
+              <a:t>THANK YOU</a:t>
+            </a:r>
+          </a:p>
+        </p:txBody>
+      </p:sp>
+      <p:pic>
+        <p:nvPicPr>
+          <p:cNvPr id="12" name="Graphic 11" descr="Smiling Face with No Fill">
+            <a:extLst>
+              <a:ext uri="{FF2B5EF4-FFF2-40B4-BE49-F238E27FC236}">
+                <a16:creationId xmlns:a16="http://schemas.microsoft.com/office/drawing/2014/main" id="{DF6D8603-F76D-531E-DFA8-2277CE6CB8E0}"/>
+              </a:ext>
+            </a:extLst>
+          </p:cNvPr>
+          <p:cNvPicPr>
+            <a:picLocks noChangeAspect="1"/>
+          </p:cNvPicPr>
+          <p:nvPr/>
+        </p:nvPicPr>
+        <p:blipFill>
+          <a:blip r:embed="rId4">
+            <a:extLst>
+              <a:ext uri="{28A0092B-C50C-407E-A947-70E740481C1C}">
+                <a14:useLocalDpi xmlns:a14="http://schemas.microsoft.com/office/drawing/2010/main" val="0"/>
+              </a:ext>
+              <a:ext uri="{96DAC541-7B7A-43D3-8B79-37D633B846F1}">
+                <asvg:svgBlip xmlns:asvg="http://schemas.microsoft.com/office/drawing/2016/SVG/main" r:embed="rId5"/>
+              </a:ext>
+            </a:extLst>
+          </a:blip>
+          <a:stretch>
+            <a:fillRect/>
+          </a:stretch>
+        </p:blipFill>
+        <p:spPr>
+          <a:xfrm>
+            <a:off x="633999" y="1573080"/>
+            <a:ext cx="3722101" cy="3722101"/>
+          </a:xfrm>
+          <a:prstGeom prst="rect">
+            <a:avLst/>
+          </a:prstGeom>
+        </p:spPr>
+      </p:pic>
+      <p:sp>
+        <p:nvSpPr>
+          <p:cNvPr id="8" name="Content Placeholder 7">
+            <a:extLst>
+              <a:ext uri="{FF2B5EF4-FFF2-40B4-BE49-F238E27FC236}">
+                <a16:creationId xmlns:a16="http://schemas.microsoft.com/office/drawing/2014/main" id="{0F372B89-074D-4511-97FF-D11323E756E4}"/>
+              </a:ext>
+            </a:extLst>
+          </p:cNvPr>
+          <p:cNvSpPr>
+            <a:spLocks noGrp="1"/>
+          </p:cNvSpPr>
+          <p:nvPr>
             <p:ph idx="1"/>
           </p:nvPr>
         </p:nvSpPr>
-        <p:spPr/>
-        <p:txBody>
-          <a:bodyPr/>
+        <p:spPr>
+          <a:xfrm>
+            <a:off x="4970109" y="2121408"/>
+            <a:ext cx="6730276" cy="4050792"/>
+          </a:xfrm>
+        </p:spPr>
+        <p:txBody>
+          <a:bodyPr>
+            <a:normAutofit/>
+          </a:bodyPr>
           <a:lstStyle/>
           <a:p>
-            <a:endParaRPr lang="en-US"/>
-          </a:p>
-        </p:txBody>
-      </p:sp>
+            <a:pPr marL="0" indent="0" algn="ctr">
+              <a:buNone/>
+            </a:pPr>
+            <a:endParaRPr lang="en-US" sz="4800" dirty="0"/>
+          </a:p>
+          <a:p>
+            <a:pPr marL="0" indent="0" algn="ctr">
+              <a:buNone/>
+            </a:pPr>
+            <a:endParaRPr lang="en-US" sz="4800" dirty="0"/>
+          </a:p>
+          <a:p>
+            <a:pPr marL="0" indent="0" algn="ctr">
+              <a:buNone/>
+            </a:pPr>
+            <a:r>
+              <a:rPr lang="en-US" sz="4800" dirty="0"/>
+              <a:t>Q&amp;A</a:t>
+            </a:r>
+          </a:p>
+        </p:txBody>
+      </p:sp>
+      <p:grpSp>
+        <p:nvGrpSpPr>
+          <p:cNvPr id="17" name="Group 16">
+            <a:extLst>
+              <a:ext uri="{FF2B5EF4-FFF2-40B4-BE49-F238E27FC236}">
+                <a16:creationId xmlns:a16="http://schemas.microsoft.com/office/drawing/2014/main" id="{0F7E20FF-7DA6-46B7-AB0E-E6CBFDD07292}"/>
+              </a:ext>
+              <a:ext uri="{C183D7F6-B498-43B3-948B-1728B52AA6E4}">
+                <adec:decorative xmlns:adec="http://schemas.microsoft.com/office/drawing/2017/decorative" val="1"/>
+              </a:ext>
+            </a:extLst>
+          </p:cNvPr>
+          <p:cNvGrpSpPr>
+            <a:grpSpLocks noGrp="1" noUngrp="1" noRot="1" noChangeAspect="1" noMove="1" noResize="1"/>
+          </p:cNvGrpSpPr>
+          <p:nvPr>
+            <p:extLst>
+              <p:ext uri="{386F3935-93C4-4BCD-93E2-E3B085C9AB24}">
+                <p16:designElem xmlns:p16="http://schemas.microsoft.com/office/powerpoint/2015/main" val="1"/>
+              </p:ext>
+            </p:extLst>
+          </p:nvPr>
+        </p:nvGrpSpPr>
+        <p:grpSpPr>
+          <a:xfrm>
+            <a:off x="11401725" y="6229681"/>
+            <a:ext cx="457200" cy="457200"/>
+            <a:chOff x="11361456" y="6195813"/>
+            <a:chExt cx="548640" cy="548640"/>
+          </a:xfrm>
+        </p:grpSpPr>
+        <p:sp>
+          <p:nvSpPr>
+            <p:cNvPr id="18" name="Oval 17">
+              <a:extLst>
+                <a:ext uri="{FF2B5EF4-FFF2-40B4-BE49-F238E27FC236}">
+                  <a16:creationId xmlns:a16="http://schemas.microsoft.com/office/drawing/2014/main" id="{6BE624B6-B9F4-4C3F-9F6E-2182D90EC5E8}"/>
+                </a:ext>
+                <a:ext uri="{C183D7F6-B498-43B3-948B-1728B52AA6E4}">
+                  <adec:decorative xmlns:adec="http://schemas.microsoft.com/office/drawing/2017/decorative" val="1"/>
+                </a:ext>
+              </a:extLst>
+            </p:cNvPr>
+            <p:cNvSpPr/>
+            <p:nvPr>
+              <p:extLst>
+                <p:ext uri="{386F3935-93C4-4BCD-93E2-E3B085C9AB24}">
+                  <p16:designElem xmlns:p16="http://schemas.microsoft.com/office/powerpoint/2015/main" val="1"/>
+                </p:ext>
+              </p:extLst>
+            </p:nvPr>
+          </p:nvSpPr>
+          <p:spPr>
+            <a:xfrm>
+              <a:off x="11361456" y="6195813"/>
+              <a:ext cx="548640" cy="548640"/>
+            </a:xfrm>
+            <a:prstGeom prst="ellipse">
+              <a:avLst/>
+            </a:prstGeom>
+            <a:blipFill dpi="0" rotWithShape="1">
+              <a:blip r:embed="rId6">
+                <a:duotone>
+                  <a:schemeClr val="accent1">
+                    <a:shade val="45000"/>
+                    <a:satMod val="135000"/>
+                  </a:schemeClr>
+                  <a:prstClr val="white"/>
+                </a:duotone>
+              </a:blip>
+              <a:srcRect/>
+              <a:tile tx="50800" ty="0" sx="85000" sy="85000" flip="none" algn="tl"/>
+            </a:blipFill>
+            <a:ln w="25400" cap="flat" cmpd="sng" algn="ctr">
+              <a:noFill/>
+              <a:prstDash val="solid"/>
+            </a:ln>
+            <a:effectLst/>
+          </p:spPr>
+          <p:txBody>
+            <a:bodyPr lIns="0" tIns="0" rIns="0" bIns="0" rtlCol="0" anchor="ctr"/>
+            <a:lstStyle/>
+            <a:p>
+              <a:pPr marL="0" marR="0" lvl="0" indent="0" algn="ctr" defTabSz="914400" eaLnBrk="1" fontAlgn="auto" latinLnBrk="0" hangingPunct="1">
+                <a:lnSpc>
+                  <a:spcPct val="100000"/>
+                </a:lnSpc>
+                <a:spcBef>
+                  <a:spcPts val="0"/>
+                </a:spcBef>
+                <a:spcAft>
+                  <a:spcPts val="0"/>
+                </a:spcAft>
+                <a:buClrTx/>
+                <a:buSzTx/>
+                <a:buFontTx/>
+                <a:buNone/>
+                <a:tabLst/>
+                <a:defRPr/>
+              </a:pPr>
+              <a:endParaRPr kumimoji="0" lang="en-US" sz="2000" b="0" i="0" u="none" strike="noStrike" kern="0" cap="none" spc="0" normalizeH="0" baseline="0" noProof="0" dirty="0">
+                <a:ln>
+                  <a:noFill/>
+                </a:ln>
+                <a:solidFill>
+                  <a:prstClr val="white"/>
+                </a:solidFill>
+                <a:effectLst/>
+                <a:uLnTx/>
+                <a:uFillTx/>
+                <a:latin typeface="Rockwell Extra Bold" pitchFamily="18" charset="0"/>
+                <a:ea typeface="+mn-ea"/>
+                <a:cs typeface="+mn-cs"/>
+              </a:endParaRPr>
+            </a:p>
+          </p:txBody>
+        </p:sp>
+        <p:sp>
+          <p:nvSpPr>
+            <p:cNvPr id="19" name="Oval 18">
+              <a:extLst>
+                <a:ext uri="{FF2B5EF4-FFF2-40B4-BE49-F238E27FC236}">
+                  <a16:creationId xmlns:a16="http://schemas.microsoft.com/office/drawing/2014/main" id="{8710C23B-B5E1-45A6-80F6-55643AC62B92}"/>
+                </a:ext>
+                <a:ext uri="{C183D7F6-B498-43B3-948B-1728B52AA6E4}">
+                  <adec:decorative xmlns:adec="http://schemas.microsoft.com/office/drawing/2017/decorative" val="1"/>
+                </a:ext>
+              </a:extLst>
+            </p:cNvPr>
+            <p:cNvSpPr/>
+            <p:nvPr>
+              <p:extLst>
+                <p:ext uri="{386F3935-93C4-4BCD-93E2-E3B085C9AB24}">
+                  <p16:designElem xmlns:p16="http://schemas.microsoft.com/office/powerpoint/2015/main" val="1"/>
+                </p:ext>
+              </p:extLst>
+            </p:nvPr>
+          </p:nvSpPr>
+          <p:spPr>
+            <a:xfrm>
+              <a:off x="11396488" y="6230844"/>
+              <a:ext cx="478576" cy="478578"/>
+            </a:xfrm>
+            <a:prstGeom prst="ellipse">
+              <a:avLst/>
+            </a:prstGeom>
+            <a:noFill/>
+            <a:ln w="12700" cap="flat" cmpd="sng" algn="ctr">
+              <a:solidFill>
+                <a:srgbClr val="FFFFFF"/>
+              </a:solidFill>
+              <a:prstDash val="solid"/>
+            </a:ln>
+            <a:effectLst/>
+          </p:spPr>
+          <p:txBody>
+            <a:bodyPr rtlCol="0" anchor="ctr"/>
+            <a:lstStyle/>
+            <a:p>
+              <a:pPr marL="0" marR="0" lvl="0" indent="0" algn="ctr" defTabSz="914400" eaLnBrk="1" fontAlgn="auto" latinLnBrk="0" hangingPunct="1">
+                <a:lnSpc>
+                  <a:spcPct val="100000"/>
+                </a:lnSpc>
+                <a:spcBef>
+                  <a:spcPts val="0"/>
+                </a:spcBef>
+                <a:spcAft>
+                  <a:spcPts val="0"/>
+                </a:spcAft>
+                <a:buClrTx/>
+                <a:buSzTx/>
+                <a:buFontTx/>
+                <a:buNone/>
+                <a:tabLst/>
+                <a:defRPr/>
+              </a:pPr>
+              <a:endParaRPr kumimoji="0" lang="en-US" sz="1800" b="0" i="0" u="none" strike="noStrike" kern="0" cap="none" spc="0" normalizeH="0" baseline="0" noProof="0" dirty="0">
+                <a:ln>
+                  <a:noFill/>
+                </a:ln>
+                <a:solidFill>
+                  <a:prstClr val="white"/>
+                </a:solidFill>
+                <a:effectLst/>
+                <a:uLnTx/>
+                <a:uFillTx/>
+                <a:latin typeface="Calibri"/>
+                <a:ea typeface="+mn-ea"/>
+                <a:cs typeface="+mn-cs"/>
+              </a:endParaRPr>
+            </a:p>
+          </p:txBody>
+        </p:sp>
+      </p:grpSp>
     </p:spTree>
     <p:extLst>
       <p:ext uri="{BB962C8B-B14F-4D97-AF65-F5344CB8AC3E}">
-        <p14:creationId xmlns:p14="http://schemas.microsoft.com/office/powerpoint/2010/main" val="3200728014"/>
+        <p14:creationId xmlns:p14="http://schemas.microsoft.com/office/powerpoint/2010/main" val="3443823270"/>
       </p:ext>
     </p:extLst>
   </p:cSld>
